--- a/CSS basic.pptx
+++ b/CSS basic.pptx
@@ -14,6 +14,12 @@
     <p:sldId id="276" r:id="rId8"/>
     <p:sldId id="277" r:id="rId9"/>
     <p:sldId id="278" r:id="rId10"/>
+    <p:sldId id="279" r:id="rId11"/>
+    <p:sldId id="280" r:id="rId12"/>
+    <p:sldId id="281" r:id="rId13"/>
+    <p:sldId id="282" r:id="rId14"/>
+    <p:sldId id="283" r:id="rId15"/>
+    <p:sldId id="284" r:id="rId16"/>
   </p:sldIdLst>
   <p:sldSz cx="12192000" cy="6858000"/>
   <p:notesSz cx="6858000" cy="9144000"/>
@@ -112,6 +118,11 @@
       </a:defRPr>
     </a:lvl9pPr>
   </p:defaultTextStyle>
+  <p:extLst>
+    <p:ext uri="{EFAFB233-063F-42B5-8137-9DF3F51BA10A}">
+      <p15:sldGuideLst xmlns:p15="http://schemas.microsoft.com/office/powerpoint/2012/main"/>
+    </p:ext>
+  </p:extLst>
 </p:presentation>
 </file>
 
@@ -3590,6 +3601,1015 @@
 </p:sld>
 </file>
 
+<file path=ppt/slides/slide10.xml><?xml version="1.0" encoding="utf-8"?>
+<p:sld xmlns:a="http://schemas.openxmlformats.org/drawingml/2006/main" xmlns:r="http://schemas.openxmlformats.org/officeDocument/2006/relationships" xmlns:p="http://schemas.openxmlformats.org/presentationml/2006/main">
+  <p:cSld>
+    <p:spTree>
+      <p:nvGrpSpPr>
+        <p:cNvPr id="1" name=""/>
+        <p:cNvGrpSpPr/>
+        <p:nvPr/>
+      </p:nvGrpSpPr>
+      <p:grpSpPr>
+        <a:xfrm>
+          <a:off x="0" y="0"/>
+          <a:ext cx="0" cy="0"/>
+          <a:chOff x="0" y="0"/>
+          <a:chExt cx="0" cy="0"/>
+        </a:xfrm>
+      </p:grpSpPr>
+      <p:pic>
+        <p:nvPicPr>
+          <p:cNvPr id="5" name="Content Placeholder 4" descr="A screenshot of a computer&#10;&#10;Description automatically generated">
+            <a:extLst>
+              <a:ext uri="{FF2B5EF4-FFF2-40B4-BE49-F238E27FC236}">
+                <a16:creationId xmlns:a16="http://schemas.microsoft.com/office/drawing/2014/main" id="{2117A371-BF49-A889-23F1-D12292DF4BCE}"/>
+              </a:ext>
+            </a:extLst>
+          </p:cNvPr>
+          <p:cNvPicPr>
+            <a:picLocks noGrp="1" noChangeAspect="1"/>
+          </p:cNvPicPr>
+          <p:nvPr>
+            <p:ph idx="1"/>
+          </p:nvPr>
+        </p:nvPicPr>
+        <p:blipFill>
+          <a:blip r:embed="rId2">
+            <a:extLst>
+              <a:ext uri="{28A0092B-C50C-407E-A947-70E740481C1C}">
+                <a14:useLocalDpi xmlns:a14="http://schemas.microsoft.com/office/drawing/2010/main" val="0"/>
+              </a:ext>
+            </a:extLst>
+          </a:blip>
+          <a:stretch>
+            <a:fillRect/>
+          </a:stretch>
+        </p:blipFill>
+        <p:spPr>
+          <a:xfrm>
+            <a:off x="1398724" y="0"/>
+            <a:ext cx="8568641" cy="4351338"/>
+          </a:xfrm>
+        </p:spPr>
+      </p:pic>
+      <p:pic>
+        <p:nvPicPr>
+          <p:cNvPr id="7" name="Picture 6" descr="A close-up of a computer screen&#10;&#10;Description automatically generated">
+            <a:extLst>
+              <a:ext uri="{FF2B5EF4-FFF2-40B4-BE49-F238E27FC236}">
+                <a16:creationId xmlns:a16="http://schemas.microsoft.com/office/drawing/2014/main" id="{AB0EBAD2-2AFA-FBF5-4B62-7079D884100D}"/>
+              </a:ext>
+            </a:extLst>
+          </p:cNvPr>
+          <p:cNvPicPr>
+            <a:picLocks noChangeAspect="1"/>
+          </p:cNvPicPr>
+          <p:nvPr/>
+        </p:nvPicPr>
+        <p:blipFill>
+          <a:blip r:embed="rId3">
+            <a:extLst>
+              <a:ext uri="{28A0092B-C50C-407E-A947-70E740481C1C}">
+                <a14:useLocalDpi xmlns:a14="http://schemas.microsoft.com/office/drawing/2010/main" val="0"/>
+              </a:ext>
+            </a:extLst>
+          </a:blip>
+          <a:stretch>
+            <a:fillRect/>
+          </a:stretch>
+        </p:blipFill>
+        <p:spPr>
+          <a:xfrm>
+            <a:off x="994476" y="4351338"/>
+            <a:ext cx="10498015" cy="2114845"/>
+          </a:xfrm>
+          <a:prstGeom prst="rect">
+            <a:avLst/>
+          </a:prstGeom>
+        </p:spPr>
+      </p:pic>
+    </p:spTree>
+    <p:extLst>
+      <p:ext uri="{BB962C8B-B14F-4D97-AF65-F5344CB8AC3E}">
+        <p14:creationId xmlns:p14="http://schemas.microsoft.com/office/powerpoint/2010/main" val="3050787646"/>
+      </p:ext>
+    </p:extLst>
+  </p:cSld>
+  <p:clrMapOvr>
+    <a:masterClrMapping/>
+  </p:clrMapOvr>
+</p:sld>
+</file>
+
+<file path=ppt/slides/slide11.xml><?xml version="1.0" encoding="utf-8"?>
+<p:sld xmlns:a="http://schemas.openxmlformats.org/drawingml/2006/main" xmlns:r="http://schemas.openxmlformats.org/officeDocument/2006/relationships" xmlns:p="http://schemas.openxmlformats.org/presentationml/2006/main">
+  <p:cSld>
+    <p:spTree>
+      <p:nvGrpSpPr>
+        <p:cNvPr id="1" name=""/>
+        <p:cNvGrpSpPr/>
+        <p:nvPr/>
+      </p:nvGrpSpPr>
+      <p:grpSpPr>
+        <a:xfrm>
+          <a:off x="0" y="0"/>
+          <a:ext cx="0" cy="0"/>
+          <a:chOff x="0" y="0"/>
+          <a:chExt cx="0" cy="0"/>
+        </a:xfrm>
+      </p:grpSpPr>
+      <p:sp>
+        <p:nvSpPr>
+          <p:cNvPr id="2" name="Title 1">
+            <a:extLst>
+              <a:ext uri="{FF2B5EF4-FFF2-40B4-BE49-F238E27FC236}">
+                <a16:creationId xmlns:a16="http://schemas.microsoft.com/office/drawing/2014/main" id="{A907E288-42F6-D3E8-4206-3EF39C0CAC52}"/>
+              </a:ext>
+            </a:extLst>
+          </p:cNvPr>
+          <p:cNvSpPr>
+            <a:spLocks noGrp="1"/>
+          </p:cNvSpPr>
+          <p:nvPr>
+            <p:ph type="title"/>
+          </p:nvPr>
+        </p:nvSpPr>
+        <p:spPr/>
+        <p:txBody>
+          <a:bodyPr/>
+          <a:lstStyle/>
+          <a:p>
+            <a:r>
+              <a:rPr lang="en-US" dirty="0"/>
+              <a:t>Block level elements and Inline elements</a:t>
+            </a:r>
+          </a:p>
+        </p:txBody>
+      </p:sp>
+      <p:pic>
+        <p:nvPicPr>
+          <p:cNvPr id="5" name="Content Placeholder 4" descr="A screenshot of a computer code&#10;&#10;Description automatically generated">
+            <a:extLst>
+              <a:ext uri="{FF2B5EF4-FFF2-40B4-BE49-F238E27FC236}">
+                <a16:creationId xmlns:a16="http://schemas.microsoft.com/office/drawing/2014/main" id="{D4F747BC-DBA2-A5D9-C863-98610492BD77}"/>
+              </a:ext>
+            </a:extLst>
+          </p:cNvPr>
+          <p:cNvPicPr>
+            <a:picLocks noGrp="1" noChangeAspect="1"/>
+          </p:cNvPicPr>
+          <p:nvPr>
+            <p:ph idx="1"/>
+          </p:nvPr>
+        </p:nvPicPr>
+        <p:blipFill>
+          <a:blip r:embed="rId2">
+            <a:extLst>
+              <a:ext uri="{28A0092B-C50C-407E-A947-70E740481C1C}">
+                <a14:useLocalDpi xmlns:a14="http://schemas.microsoft.com/office/drawing/2010/main" val="0"/>
+              </a:ext>
+            </a:extLst>
+          </a:blip>
+          <a:stretch>
+            <a:fillRect/>
+          </a:stretch>
+        </p:blipFill>
+        <p:spPr>
+          <a:xfrm>
+            <a:off x="7553068" y="1815793"/>
+            <a:ext cx="2827903" cy="4351338"/>
+          </a:xfrm>
+        </p:spPr>
+      </p:pic>
+      <p:pic>
+        <p:nvPicPr>
+          <p:cNvPr id="7" name="Picture 6" descr="A screenshot of a computer&#10;&#10;Description automatically generated">
+            <a:extLst>
+              <a:ext uri="{FF2B5EF4-FFF2-40B4-BE49-F238E27FC236}">
+                <a16:creationId xmlns:a16="http://schemas.microsoft.com/office/drawing/2014/main" id="{CD54AE3A-E42E-9193-9FC4-516BB8CD1075}"/>
+              </a:ext>
+            </a:extLst>
+          </p:cNvPr>
+          <p:cNvPicPr>
+            <a:picLocks noChangeAspect="1"/>
+          </p:cNvPicPr>
+          <p:nvPr/>
+        </p:nvPicPr>
+        <p:blipFill>
+          <a:blip r:embed="rId3">
+            <a:extLst>
+              <a:ext uri="{28A0092B-C50C-407E-A947-70E740481C1C}">
+                <a14:useLocalDpi xmlns:a14="http://schemas.microsoft.com/office/drawing/2010/main" val="0"/>
+              </a:ext>
+            </a:extLst>
+          </a:blip>
+          <a:stretch>
+            <a:fillRect/>
+          </a:stretch>
+        </p:blipFill>
+        <p:spPr>
+          <a:xfrm>
+            <a:off x="1533832" y="1815793"/>
+            <a:ext cx="4392272" cy="4665013"/>
+          </a:xfrm>
+          <a:prstGeom prst="rect">
+            <a:avLst/>
+          </a:prstGeom>
+        </p:spPr>
+      </p:pic>
+    </p:spTree>
+    <p:extLst>
+      <p:ext uri="{BB962C8B-B14F-4D97-AF65-F5344CB8AC3E}">
+        <p14:creationId xmlns:p14="http://schemas.microsoft.com/office/powerpoint/2010/main" val="2071440913"/>
+      </p:ext>
+    </p:extLst>
+  </p:cSld>
+  <p:clrMapOvr>
+    <a:masterClrMapping/>
+  </p:clrMapOvr>
+</p:sld>
+</file>
+
+<file path=ppt/slides/slide12.xml><?xml version="1.0" encoding="utf-8"?>
+<p:sld xmlns:a="http://schemas.openxmlformats.org/drawingml/2006/main" xmlns:r="http://schemas.openxmlformats.org/officeDocument/2006/relationships" xmlns:p="http://schemas.openxmlformats.org/presentationml/2006/main">
+  <p:cSld>
+    <p:spTree>
+      <p:nvGrpSpPr>
+        <p:cNvPr id="1" name=""/>
+        <p:cNvGrpSpPr/>
+        <p:nvPr/>
+      </p:nvGrpSpPr>
+      <p:grpSpPr>
+        <a:xfrm>
+          <a:off x="0" y="0"/>
+          <a:ext cx="0" cy="0"/>
+          <a:chOff x="0" y="0"/>
+          <a:chExt cx="0" cy="0"/>
+        </a:xfrm>
+      </p:grpSpPr>
+      <p:sp>
+        <p:nvSpPr>
+          <p:cNvPr id="2" name="Title 1">
+            <a:extLst>
+              <a:ext uri="{FF2B5EF4-FFF2-40B4-BE49-F238E27FC236}">
+                <a16:creationId xmlns:a16="http://schemas.microsoft.com/office/drawing/2014/main" id="{EC172DB3-8B76-CE6B-D5D9-8B59FA668914}"/>
+              </a:ext>
+            </a:extLst>
+          </p:cNvPr>
+          <p:cNvSpPr>
+            <a:spLocks noGrp="1"/>
+          </p:cNvSpPr>
+          <p:nvPr>
+            <p:ph type="title"/>
+          </p:nvPr>
+        </p:nvSpPr>
+        <p:spPr/>
+        <p:txBody>
+          <a:bodyPr/>
+          <a:lstStyle/>
+          <a:p>
+            <a:r>
+              <a:rPr lang="en-US" dirty="0"/>
+              <a:t>Alignment </a:t>
+            </a:r>
+          </a:p>
+        </p:txBody>
+      </p:sp>
+      <p:pic>
+        <p:nvPicPr>
+          <p:cNvPr id="11" name="Picture 10" descr="A screenshot of a computer program&#10;&#10;Description automatically generated">
+            <a:extLst>
+              <a:ext uri="{FF2B5EF4-FFF2-40B4-BE49-F238E27FC236}">
+                <a16:creationId xmlns:a16="http://schemas.microsoft.com/office/drawing/2014/main" id="{CF89F59B-A543-7ED7-5BD2-A446DE7EBA8B}"/>
+              </a:ext>
+            </a:extLst>
+          </p:cNvPr>
+          <p:cNvPicPr>
+            <a:picLocks noChangeAspect="1"/>
+          </p:cNvPicPr>
+          <p:nvPr/>
+        </p:nvPicPr>
+        <p:blipFill>
+          <a:blip r:embed="rId2">
+            <a:extLst>
+              <a:ext uri="{28A0092B-C50C-407E-A947-70E740481C1C}">
+                <a14:useLocalDpi xmlns:a14="http://schemas.microsoft.com/office/drawing/2010/main" val="0"/>
+              </a:ext>
+            </a:extLst>
+          </a:blip>
+          <a:stretch>
+            <a:fillRect/>
+          </a:stretch>
+        </p:blipFill>
+        <p:spPr>
+          <a:xfrm>
+            <a:off x="1833447" y="1792264"/>
+            <a:ext cx="8249801" cy="4001058"/>
+          </a:xfrm>
+          <a:prstGeom prst="rect">
+            <a:avLst/>
+          </a:prstGeom>
+        </p:spPr>
+      </p:pic>
+    </p:spTree>
+    <p:extLst>
+      <p:ext uri="{BB962C8B-B14F-4D97-AF65-F5344CB8AC3E}">
+        <p14:creationId xmlns:p14="http://schemas.microsoft.com/office/powerpoint/2010/main" val="203168298"/>
+      </p:ext>
+    </p:extLst>
+  </p:cSld>
+  <p:clrMapOvr>
+    <a:masterClrMapping/>
+  </p:clrMapOvr>
+</p:sld>
+</file>
+
+<file path=ppt/slides/slide13.xml><?xml version="1.0" encoding="utf-8"?>
+<p:sld xmlns:a="http://schemas.openxmlformats.org/drawingml/2006/main" xmlns:r="http://schemas.openxmlformats.org/officeDocument/2006/relationships" xmlns:p="http://schemas.openxmlformats.org/presentationml/2006/main">
+  <p:cSld>
+    <p:spTree>
+      <p:nvGrpSpPr>
+        <p:cNvPr id="1" name=""/>
+        <p:cNvGrpSpPr/>
+        <p:nvPr/>
+      </p:nvGrpSpPr>
+      <p:grpSpPr>
+        <a:xfrm>
+          <a:off x="0" y="0"/>
+          <a:ext cx="0" cy="0"/>
+          <a:chOff x="0" y="0"/>
+          <a:chExt cx="0" cy="0"/>
+        </a:xfrm>
+      </p:grpSpPr>
+      <p:sp>
+        <p:nvSpPr>
+          <p:cNvPr id="2" name="Title 1">
+            <a:extLst>
+              <a:ext uri="{FF2B5EF4-FFF2-40B4-BE49-F238E27FC236}">
+                <a16:creationId xmlns:a16="http://schemas.microsoft.com/office/drawing/2014/main" id="{11482112-429D-41EA-B86B-5D52DFA68C45}"/>
+              </a:ext>
+            </a:extLst>
+          </p:cNvPr>
+          <p:cNvSpPr>
+            <a:spLocks noGrp="1"/>
+          </p:cNvSpPr>
+          <p:nvPr>
+            <p:ph type="title"/>
+          </p:nvPr>
+        </p:nvSpPr>
+        <p:spPr/>
+        <p:txBody>
+          <a:bodyPr/>
+          <a:lstStyle/>
+          <a:p>
+            <a:r>
+              <a:rPr lang="en-US" dirty="0"/>
+              <a:t>Html element center alignment</a:t>
+            </a:r>
+          </a:p>
+        </p:txBody>
+      </p:sp>
+      <p:pic>
+        <p:nvPicPr>
+          <p:cNvPr id="5" name="Picture 4" descr="A screenshot of a computer&#10;&#10;Description automatically generated">
+            <a:extLst>
+              <a:ext uri="{FF2B5EF4-FFF2-40B4-BE49-F238E27FC236}">
+                <a16:creationId xmlns:a16="http://schemas.microsoft.com/office/drawing/2014/main" id="{C6C5FC0C-8CF1-7637-B0EA-870A23C45709}"/>
+              </a:ext>
+            </a:extLst>
+          </p:cNvPr>
+          <p:cNvPicPr>
+            <a:picLocks noChangeAspect="1"/>
+          </p:cNvPicPr>
+          <p:nvPr/>
+        </p:nvPicPr>
+        <p:blipFill>
+          <a:blip r:embed="rId2">
+            <a:extLst>
+              <a:ext uri="{28A0092B-C50C-407E-A947-70E740481C1C}">
+                <a14:useLocalDpi xmlns:a14="http://schemas.microsoft.com/office/drawing/2010/main" val="0"/>
+              </a:ext>
+            </a:extLst>
+          </a:blip>
+          <a:stretch>
+            <a:fillRect/>
+          </a:stretch>
+        </p:blipFill>
+        <p:spPr>
+          <a:xfrm>
+            <a:off x="391645" y="1777669"/>
+            <a:ext cx="5497878" cy="4010585"/>
+          </a:xfrm>
+          <a:prstGeom prst="rect">
+            <a:avLst/>
+          </a:prstGeom>
+        </p:spPr>
+      </p:pic>
+      <p:pic>
+        <p:nvPicPr>
+          <p:cNvPr id="7" name="Picture 6" descr="A screenshot of a computer&#10;&#10;Description automatically generated">
+            <a:extLst>
+              <a:ext uri="{FF2B5EF4-FFF2-40B4-BE49-F238E27FC236}">
+                <a16:creationId xmlns:a16="http://schemas.microsoft.com/office/drawing/2014/main" id="{06994D2F-0691-CF4C-FB26-BBF31073A74B}"/>
+              </a:ext>
+            </a:extLst>
+          </p:cNvPr>
+          <p:cNvPicPr>
+            <a:picLocks noChangeAspect="1"/>
+          </p:cNvPicPr>
+          <p:nvPr/>
+        </p:nvPicPr>
+        <p:blipFill>
+          <a:blip r:embed="rId3">
+            <a:extLst>
+              <a:ext uri="{28A0092B-C50C-407E-A947-70E740481C1C}">
+                <a14:useLocalDpi xmlns:a14="http://schemas.microsoft.com/office/drawing/2010/main" val="0"/>
+              </a:ext>
+            </a:extLst>
+          </a:blip>
+          <a:stretch>
+            <a:fillRect/>
+          </a:stretch>
+        </p:blipFill>
+        <p:spPr>
+          <a:xfrm>
+            <a:off x="6105832" y="1777669"/>
+            <a:ext cx="5755159" cy="4130881"/>
+          </a:xfrm>
+          <a:prstGeom prst="rect">
+            <a:avLst/>
+          </a:prstGeom>
+        </p:spPr>
+      </p:pic>
+      <p:sp>
+        <p:nvSpPr>
+          <p:cNvPr id="9" name="TextBox 8">
+            <a:extLst>
+              <a:ext uri="{FF2B5EF4-FFF2-40B4-BE49-F238E27FC236}">
+                <a16:creationId xmlns:a16="http://schemas.microsoft.com/office/drawing/2014/main" id="{9D0DE29F-2BDE-CFAD-B400-AFAE7A6D0237}"/>
+              </a:ext>
+            </a:extLst>
+          </p:cNvPr>
+          <p:cNvSpPr txBox="1"/>
+          <p:nvPr/>
+        </p:nvSpPr>
+        <p:spPr>
+          <a:xfrm>
+            <a:off x="3333136" y="6032402"/>
+            <a:ext cx="6096000" cy="646331"/>
+          </a:xfrm>
+          <a:prstGeom prst="rect">
+            <a:avLst/>
+          </a:prstGeom>
+          <a:noFill/>
+        </p:spPr>
+        <p:txBody>
+          <a:bodyPr wrap="square">
+            <a:spAutoFit/>
+          </a:bodyPr>
+          <a:lstStyle/>
+          <a:p>
+            <a:r>
+              <a:rPr lang="en-US" b="0" i="0" dirty="0">
+                <a:solidFill>
+                  <a:srgbClr val="1F1F1F"/>
+                </a:solidFill>
+                <a:effectLst/>
+                <a:highlight>
+                  <a:srgbClr val="FFFFFF"/>
+                </a:highlight>
+                <a:latin typeface="Source Sans Pro" panose="020B0503030403020204" pitchFamily="34" charset="0"/>
+              </a:rPr>
+              <a:t>It is important to note that this works because the </a:t>
+            </a:r>
+            <a:r>
+              <a:rPr lang="en-US" b="1" i="0" dirty="0">
+                <a:solidFill>
+                  <a:srgbClr val="1F1F1F"/>
+                </a:solidFill>
+                <a:effectLst/>
+                <a:highlight>
+                  <a:srgbClr val="FFFFFF"/>
+                </a:highlight>
+                <a:latin typeface="Courier"/>
+              </a:rPr>
+              <a:t>div</a:t>
+            </a:r>
+            <a:r>
+              <a:rPr lang="en-US" b="0" i="0" dirty="0">
+                <a:solidFill>
+                  <a:srgbClr val="1F1F1F"/>
+                </a:solidFill>
+                <a:effectLst/>
+                <a:highlight>
+                  <a:srgbClr val="FFFFFF"/>
+                </a:highlight>
+                <a:latin typeface="Source Sans Pro" panose="020B0503030403020204" pitchFamily="34" charset="0"/>
+              </a:rPr>
+              <a:t> element is a </a:t>
+            </a:r>
+            <a:r>
+              <a:rPr lang="en-US" b="0" i="0" dirty="0">
+                <a:solidFill>
+                  <a:srgbClr val="1F1F1F"/>
+                </a:solidFill>
+                <a:effectLst/>
+                <a:highlight>
+                  <a:srgbClr val="FFFF00"/>
+                </a:highlight>
+                <a:latin typeface="Source Sans Pro" panose="020B0503030403020204" pitchFamily="34" charset="0"/>
+              </a:rPr>
+              <a:t>block-level</a:t>
+            </a:r>
+            <a:r>
+              <a:rPr lang="en-US" b="0" i="0" dirty="0">
+                <a:solidFill>
+                  <a:srgbClr val="1F1F1F"/>
+                </a:solidFill>
+                <a:effectLst/>
+                <a:highlight>
+                  <a:srgbClr val="FFFFFF"/>
+                </a:highlight>
+                <a:latin typeface="Source Sans Pro" panose="020B0503030403020204" pitchFamily="34" charset="0"/>
+              </a:rPr>
+              <a:t> element. </a:t>
+            </a:r>
+            <a:endParaRPr lang="en-US" dirty="0"/>
+          </a:p>
+        </p:txBody>
+      </p:sp>
+    </p:spTree>
+    <p:extLst>
+      <p:ext uri="{BB962C8B-B14F-4D97-AF65-F5344CB8AC3E}">
+        <p14:creationId xmlns:p14="http://schemas.microsoft.com/office/powerpoint/2010/main" val="2219004140"/>
+      </p:ext>
+    </p:extLst>
+  </p:cSld>
+  <p:clrMapOvr>
+    <a:masterClrMapping/>
+  </p:clrMapOvr>
+</p:sld>
+</file>
+
+<file path=ppt/slides/slide14.xml><?xml version="1.0" encoding="utf-8"?>
+<p:sld xmlns:a="http://schemas.openxmlformats.org/drawingml/2006/main" xmlns:r="http://schemas.openxmlformats.org/officeDocument/2006/relationships" xmlns:p="http://schemas.openxmlformats.org/presentationml/2006/main">
+  <p:cSld>
+    <p:spTree>
+      <p:nvGrpSpPr>
+        <p:cNvPr id="1" name=""/>
+        <p:cNvGrpSpPr/>
+        <p:nvPr/>
+      </p:nvGrpSpPr>
+      <p:grpSpPr>
+        <a:xfrm>
+          <a:off x="0" y="0"/>
+          <a:ext cx="0" cy="0"/>
+          <a:chOff x="0" y="0"/>
+          <a:chExt cx="0" cy="0"/>
+        </a:xfrm>
+      </p:grpSpPr>
+      <p:pic>
+        <p:nvPicPr>
+          <p:cNvPr id="7" name="Content Placeholder 6" descr="A screenshot of a computer program&#10;&#10;Description automatically generated">
+            <a:extLst>
+              <a:ext uri="{FF2B5EF4-FFF2-40B4-BE49-F238E27FC236}">
+                <a16:creationId xmlns:a16="http://schemas.microsoft.com/office/drawing/2014/main" id="{4EC916B3-669F-A192-B2BD-803FD1F7341B}"/>
+              </a:ext>
+            </a:extLst>
+          </p:cNvPr>
+          <p:cNvPicPr>
+            <a:picLocks noGrp="1" noChangeAspect="1"/>
+          </p:cNvPicPr>
+          <p:nvPr>
+            <p:ph idx="1"/>
+          </p:nvPr>
+        </p:nvPicPr>
+        <p:blipFill>
+          <a:blip r:embed="rId2">
+            <a:extLst>
+              <a:ext uri="{28A0092B-C50C-407E-A947-70E740481C1C}">
+                <a14:useLocalDpi xmlns:a14="http://schemas.microsoft.com/office/drawing/2010/main" val="0"/>
+              </a:ext>
+            </a:extLst>
+          </a:blip>
+          <a:stretch>
+            <a:fillRect/>
+          </a:stretch>
+        </p:blipFill>
+        <p:spPr>
+          <a:xfrm>
+            <a:off x="2879630" y="1825625"/>
+            <a:ext cx="6432740" cy="4351338"/>
+          </a:xfrm>
+        </p:spPr>
+      </p:pic>
+      <p:sp>
+        <p:nvSpPr>
+          <p:cNvPr id="5" name="TextBox 4">
+            <a:extLst>
+              <a:ext uri="{FF2B5EF4-FFF2-40B4-BE49-F238E27FC236}">
+                <a16:creationId xmlns:a16="http://schemas.microsoft.com/office/drawing/2014/main" id="{38F8C7F5-59F2-F0D4-C2C2-EBC1062682CD}"/>
+              </a:ext>
+            </a:extLst>
+          </p:cNvPr>
+          <p:cNvSpPr txBox="1"/>
+          <p:nvPr/>
+        </p:nvSpPr>
+        <p:spPr>
+          <a:xfrm>
+            <a:off x="2615381" y="6087467"/>
+            <a:ext cx="6096000" cy="646331"/>
+          </a:xfrm>
+          <a:prstGeom prst="rect">
+            <a:avLst/>
+          </a:prstGeom>
+          <a:noFill/>
+        </p:spPr>
+        <p:txBody>
+          <a:bodyPr wrap="square">
+            <a:spAutoFit/>
+          </a:bodyPr>
+          <a:lstStyle/>
+          <a:p>
+            <a:r>
+              <a:rPr lang="en-US" b="0" i="0" dirty="0">
+                <a:solidFill>
+                  <a:srgbClr val="1F1F1F"/>
+                </a:solidFill>
+                <a:effectLst/>
+                <a:highlight>
+                  <a:srgbClr val="FFFFFF"/>
+                </a:highlight>
+                <a:latin typeface="Source Sans Pro" panose="020B0503030403020204" pitchFamily="34" charset="0"/>
+              </a:rPr>
+              <a:t>If you want to align an inline element like </a:t>
+            </a:r>
+            <a:r>
+              <a:rPr lang="en-US" b="1" i="0" dirty="0" err="1">
+                <a:solidFill>
+                  <a:srgbClr val="1F1F1F"/>
+                </a:solidFill>
+                <a:effectLst/>
+                <a:highlight>
+                  <a:srgbClr val="FFFFFF"/>
+                </a:highlight>
+                <a:latin typeface="Courier"/>
+              </a:rPr>
+              <a:t>img</a:t>
+            </a:r>
+            <a:r>
+              <a:rPr lang="en-US" b="0" i="0" dirty="0">
+                <a:solidFill>
+                  <a:srgbClr val="1F1F1F"/>
+                </a:solidFill>
+                <a:effectLst/>
+                <a:highlight>
+                  <a:srgbClr val="FFFFFF"/>
+                </a:highlight>
+                <a:latin typeface="Source Sans Pro" panose="020B0503030403020204" pitchFamily="34" charset="0"/>
+              </a:rPr>
+              <a:t>, you will need to change it to a </a:t>
+            </a:r>
+            <a:r>
+              <a:rPr lang="en-US" b="0" i="0" dirty="0">
+                <a:solidFill>
+                  <a:srgbClr val="1F1F1F"/>
+                </a:solidFill>
+                <a:effectLst/>
+                <a:highlight>
+                  <a:srgbClr val="FFFF00"/>
+                </a:highlight>
+                <a:latin typeface="Source Sans Pro" panose="020B0503030403020204" pitchFamily="34" charset="0"/>
+              </a:rPr>
+              <a:t>block-level element</a:t>
+            </a:r>
+            <a:r>
+              <a:rPr lang="en-US" b="0" i="0" dirty="0">
+                <a:solidFill>
+                  <a:srgbClr val="1F1F1F"/>
+                </a:solidFill>
+                <a:effectLst/>
+                <a:highlight>
+                  <a:srgbClr val="FFFFFF"/>
+                </a:highlight>
+                <a:latin typeface="Source Sans Pro" panose="020B0503030403020204" pitchFamily="34" charset="0"/>
+              </a:rPr>
+              <a:t>.</a:t>
+            </a:r>
+            <a:endParaRPr lang="en-US" dirty="0"/>
+          </a:p>
+        </p:txBody>
+      </p:sp>
+      <p:sp>
+        <p:nvSpPr>
+          <p:cNvPr id="8" name="Title 1">
+            <a:extLst>
+              <a:ext uri="{FF2B5EF4-FFF2-40B4-BE49-F238E27FC236}">
+                <a16:creationId xmlns:a16="http://schemas.microsoft.com/office/drawing/2014/main" id="{30001191-6D2B-264F-89B5-BBE5F6E96FEF}"/>
+              </a:ext>
+            </a:extLst>
+          </p:cNvPr>
+          <p:cNvSpPr>
+            <a:spLocks noGrp="1"/>
+          </p:cNvSpPr>
+          <p:nvPr>
+            <p:ph type="title"/>
+          </p:nvPr>
+        </p:nvSpPr>
+        <p:spPr>
+          <a:xfrm>
+            <a:off x="838200" y="365125"/>
+            <a:ext cx="10515600" cy="1325563"/>
+          </a:xfrm>
+        </p:spPr>
+        <p:txBody>
+          <a:bodyPr/>
+          <a:lstStyle/>
+          <a:p>
+            <a:r>
+              <a:rPr lang="en-US" dirty="0"/>
+              <a:t>Html element center alignment</a:t>
+            </a:r>
+          </a:p>
+        </p:txBody>
+      </p:sp>
+    </p:spTree>
+    <p:extLst>
+      <p:ext uri="{BB962C8B-B14F-4D97-AF65-F5344CB8AC3E}">
+        <p14:creationId xmlns:p14="http://schemas.microsoft.com/office/powerpoint/2010/main" val="2932579331"/>
+      </p:ext>
+    </p:extLst>
+  </p:cSld>
+  <p:clrMapOvr>
+    <a:masterClrMapping/>
+  </p:clrMapOvr>
+</p:sld>
+</file>
+
+<file path=ppt/slides/slide15.xml><?xml version="1.0" encoding="utf-8"?>
+<p:sld xmlns:a="http://schemas.openxmlformats.org/drawingml/2006/main" xmlns:r="http://schemas.openxmlformats.org/officeDocument/2006/relationships" xmlns:p="http://schemas.openxmlformats.org/presentationml/2006/main">
+  <p:cSld>
+    <p:spTree>
+      <p:nvGrpSpPr>
+        <p:cNvPr id="1" name=""/>
+        <p:cNvGrpSpPr/>
+        <p:nvPr/>
+      </p:nvGrpSpPr>
+      <p:grpSpPr>
+        <a:xfrm>
+          <a:off x="0" y="0"/>
+          <a:ext cx="0" cy="0"/>
+          <a:chOff x="0" y="0"/>
+          <a:chExt cx="0" cy="0"/>
+        </a:xfrm>
+      </p:grpSpPr>
+      <p:sp>
+        <p:nvSpPr>
+          <p:cNvPr id="2" name="Title 1">
+            <a:extLst>
+              <a:ext uri="{FF2B5EF4-FFF2-40B4-BE49-F238E27FC236}">
+                <a16:creationId xmlns:a16="http://schemas.microsoft.com/office/drawing/2014/main" id="{8C32CB87-A5D5-ABDE-7820-BDB60F240F3E}"/>
+              </a:ext>
+            </a:extLst>
+          </p:cNvPr>
+          <p:cNvSpPr>
+            <a:spLocks noGrp="1"/>
+          </p:cNvSpPr>
+          <p:nvPr>
+            <p:ph type="title"/>
+          </p:nvPr>
+        </p:nvSpPr>
+        <p:spPr/>
+        <p:txBody>
+          <a:bodyPr/>
+          <a:lstStyle/>
+          <a:p>
+            <a:r>
+              <a:rPr lang="en-US" b="1" i="0" dirty="0">
+                <a:solidFill>
+                  <a:srgbClr val="1F1F1F"/>
+                </a:solidFill>
+                <a:effectLst/>
+                <a:highlight>
+                  <a:srgbClr val="FFFFFF"/>
+                </a:highlight>
+                <a:latin typeface="Source Sans Pro" panose="020B0503030403020204" pitchFamily="34" charset="0"/>
+              </a:rPr>
+              <a:t>HTML Element Left / Right Alignment</a:t>
+            </a:r>
+            <a:endParaRPr lang="en-US" dirty="0"/>
+          </a:p>
+        </p:txBody>
+      </p:sp>
+      <p:sp>
+        <p:nvSpPr>
+          <p:cNvPr id="5" name="TextBox 4">
+            <a:extLst>
+              <a:ext uri="{FF2B5EF4-FFF2-40B4-BE49-F238E27FC236}">
+                <a16:creationId xmlns:a16="http://schemas.microsoft.com/office/drawing/2014/main" id="{4AA20FE3-F4B0-5F51-0298-D37F25251E51}"/>
+              </a:ext>
+            </a:extLst>
+          </p:cNvPr>
+          <p:cNvSpPr txBox="1"/>
+          <p:nvPr/>
+        </p:nvSpPr>
+        <p:spPr>
+          <a:xfrm>
+            <a:off x="2802193" y="6211669"/>
+            <a:ext cx="6096000" cy="646331"/>
+          </a:xfrm>
+          <a:prstGeom prst="rect">
+            <a:avLst/>
+          </a:prstGeom>
+          <a:noFill/>
+        </p:spPr>
+        <p:txBody>
+          <a:bodyPr wrap="square">
+            <a:spAutoFit/>
+          </a:bodyPr>
+          <a:lstStyle/>
+          <a:p>
+            <a:r>
+              <a:rPr lang="en-US" b="0" i="0" dirty="0">
+                <a:solidFill>
+                  <a:srgbClr val="1F1F1F"/>
+                </a:solidFill>
+                <a:effectLst/>
+                <a:highlight>
+                  <a:srgbClr val="FFFFFF"/>
+                </a:highlight>
+                <a:latin typeface="Source Sans Pro" panose="020B0503030403020204" pitchFamily="34" charset="0"/>
+              </a:rPr>
+              <a:t>The two most common ways to left and right align elements are to use the </a:t>
+            </a:r>
+            <a:r>
+              <a:rPr lang="en-US" b="1" i="0" dirty="0">
+                <a:solidFill>
+                  <a:srgbClr val="1F1F1F"/>
+                </a:solidFill>
+                <a:effectLst/>
+                <a:highlight>
+                  <a:srgbClr val="FFFF00"/>
+                </a:highlight>
+                <a:latin typeface="Courier"/>
+              </a:rPr>
+              <a:t>float</a:t>
+            </a:r>
+            <a:r>
+              <a:rPr lang="en-US" b="0" i="0" dirty="0">
+                <a:solidFill>
+                  <a:srgbClr val="1F1F1F"/>
+                </a:solidFill>
+                <a:effectLst/>
+                <a:highlight>
+                  <a:srgbClr val="FFFFFF"/>
+                </a:highlight>
+                <a:latin typeface="Source Sans Pro" panose="020B0503030403020204" pitchFamily="34" charset="0"/>
+              </a:rPr>
+              <a:t> property and the</a:t>
+            </a:r>
+            <a:r>
+              <a:rPr lang="en-US" b="0" i="0" dirty="0">
+                <a:solidFill>
+                  <a:srgbClr val="1F1F1F"/>
+                </a:solidFill>
+                <a:effectLst/>
+                <a:highlight>
+                  <a:srgbClr val="FFFF00"/>
+                </a:highlight>
+                <a:latin typeface="Source Sans Pro" panose="020B0503030403020204" pitchFamily="34" charset="0"/>
+              </a:rPr>
+              <a:t> </a:t>
+            </a:r>
+            <a:r>
+              <a:rPr lang="en-US" b="1" i="0" dirty="0">
+                <a:solidFill>
+                  <a:srgbClr val="1F1F1F"/>
+                </a:solidFill>
+                <a:effectLst/>
+                <a:highlight>
+                  <a:srgbClr val="FFFF00"/>
+                </a:highlight>
+                <a:latin typeface="Courier"/>
+              </a:rPr>
+              <a:t>position</a:t>
+            </a:r>
+            <a:r>
+              <a:rPr lang="en-US" b="0" i="0" dirty="0">
+                <a:solidFill>
+                  <a:srgbClr val="1F1F1F"/>
+                </a:solidFill>
+                <a:effectLst/>
+                <a:highlight>
+                  <a:srgbClr val="FFFF00"/>
+                </a:highlight>
+                <a:latin typeface="Source Sans Pro" panose="020B0503030403020204" pitchFamily="34" charset="0"/>
+              </a:rPr>
+              <a:t> </a:t>
+            </a:r>
+            <a:r>
+              <a:rPr lang="en-US" b="0" i="0" dirty="0">
+                <a:solidFill>
+                  <a:srgbClr val="1F1F1F"/>
+                </a:solidFill>
+                <a:effectLst/>
+                <a:highlight>
+                  <a:srgbClr val="FFFFFF"/>
+                </a:highlight>
+                <a:latin typeface="Source Sans Pro" panose="020B0503030403020204" pitchFamily="34" charset="0"/>
+              </a:rPr>
+              <a:t>property.</a:t>
+            </a:r>
+            <a:endParaRPr lang="en-US" dirty="0"/>
+          </a:p>
+        </p:txBody>
+      </p:sp>
+      <p:pic>
+        <p:nvPicPr>
+          <p:cNvPr id="7" name="Picture 6" descr="A screenshot of a computer&#10;&#10;Description automatically generated">
+            <a:extLst>
+              <a:ext uri="{FF2B5EF4-FFF2-40B4-BE49-F238E27FC236}">
+                <a16:creationId xmlns:a16="http://schemas.microsoft.com/office/drawing/2014/main" id="{F3176BCF-61D0-94B1-ED2D-2AE8BFDE1CC8}"/>
+              </a:ext>
+            </a:extLst>
+          </p:cNvPr>
+          <p:cNvPicPr>
+            <a:picLocks noChangeAspect="1"/>
+          </p:cNvPicPr>
+          <p:nvPr/>
+        </p:nvPicPr>
+        <p:blipFill>
+          <a:blip r:embed="rId2">
+            <a:extLst>
+              <a:ext uri="{28A0092B-C50C-407E-A947-70E740481C1C}">
+                <a14:useLocalDpi xmlns:a14="http://schemas.microsoft.com/office/drawing/2010/main" val="0"/>
+              </a:ext>
+            </a:extLst>
+          </a:blip>
+          <a:stretch>
+            <a:fillRect/>
+          </a:stretch>
+        </p:blipFill>
+        <p:spPr>
+          <a:xfrm>
+            <a:off x="422977" y="1798731"/>
+            <a:ext cx="4866778" cy="3791479"/>
+          </a:xfrm>
+          <a:prstGeom prst="rect">
+            <a:avLst/>
+          </a:prstGeom>
+        </p:spPr>
+      </p:pic>
+      <p:pic>
+        <p:nvPicPr>
+          <p:cNvPr id="9" name="Picture 8" descr="A blue and grey symbol with text&#10;&#10;Description automatically generated">
+            <a:extLst>
+              <a:ext uri="{FF2B5EF4-FFF2-40B4-BE49-F238E27FC236}">
+                <a16:creationId xmlns:a16="http://schemas.microsoft.com/office/drawing/2014/main" id="{1FE9D82B-622C-C14D-B166-9B8198FF2EB3}"/>
+              </a:ext>
+            </a:extLst>
+          </p:cNvPr>
+          <p:cNvPicPr>
+            <a:picLocks noChangeAspect="1"/>
+          </p:cNvPicPr>
+          <p:nvPr/>
+        </p:nvPicPr>
+        <p:blipFill>
+          <a:blip r:embed="rId3">
+            <a:extLst>
+              <a:ext uri="{28A0092B-C50C-407E-A947-70E740481C1C}">
+                <a14:useLocalDpi xmlns:a14="http://schemas.microsoft.com/office/drawing/2010/main" val="0"/>
+              </a:ext>
+            </a:extLst>
+          </a:blip>
+          <a:stretch>
+            <a:fillRect/>
+          </a:stretch>
+        </p:blipFill>
+        <p:spPr>
+          <a:xfrm>
+            <a:off x="5633884" y="2225591"/>
+            <a:ext cx="6299316" cy="3245102"/>
+          </a:xfrm>
+          <a:prstGeom prst="rect">
+            <a:avLst/>
+          </a:prstGeom>
+        </p:spPr>
+      </p:pic>
+    </p:spTree>
+    <p:extLst>
+      <p:ext uri="{BB962C8B-B14F-4D97-AF65-F5344CB8AC3E}">
+        <p14:creationId xmlns:p14="http://schemas.microsoft.com/office/powerpoint/2010/main" val="1654098759"/>
+      </p:ext>
+    </p:extLst>
+  </p:cSld>
+  <p:clrMapOvr>
+    <a:masterClrMapping/>
+  </p:clrMapOvr>
+</p:sld>
+</file>
+
 <file path=ppt/slides/slide2.xml><?xml version="1.0" encoding="utf-8"?>
 <p:sld xmlns:a="http://schemas.openxmlformats.org/drawingml/2006/main" xmlns:r="http://schemas.openxmlformats.org/officeDocument/2006/relationships" xmlns:p="http://schemas.openxmlformats.org/presentationml/2006/main">
   <p:cSld>
@@ -6399,7 +7419,10 @@
           <a:bodyPr/>
           <a:lstStyle/>
           <a:p>
-            <a:endParaRPr lang="en-US"/>
+            <a:r>
+              <a:rPr lang="en-US" dirty="0"/>
+              <a:t>Box </a:t>
+            </a:r>
           </a:p>
         </p:txBody>
       </p:sp>
